--- a/papers/Case2016/pictures/pdf/VideoShot.pptx
+++ b/papers/Case2016/pictures/pdf/VideoShot.pptx
@@ -3108,10 +3108,10 @@
         </p:nvGrpSpPr>
         <p:grpSpPr>
           <a:xfrm>
-            <a:off x="-5654458" y="-519492"/>
-            <a:ext cx="11462270" cy="6437024"/>
-            <a:chOff x="-4513321" y="-598582"/>
-            <a:chExt cx="7459692" cy="4162202"/>
+            <a:off x="-5741056" y="-519492"/>
+            <a:ext cx="11548868" cy="6437024"/>
+            <a:chOff x="-4569679" y="-598582"/>
+            <a:chExt cx="7516050" cy="4162202"/>
           </a:xfrm>
         </p:grpSpPr>
         <p:pic>
@@ -3136,7 +3136,7 @@
           </p:blipFill>
           <p:spPr>
             <a:xfrm>
-              <a:off x="-4513321" y="-598582"/>
+              <a:off x="-4569679" y="-598582"/>
               <a:ext cx="7397640" cy="4162202"/>
             </a:xfrm>
             <a:prstGeom prst="rect">
